--- a/03.포트폴리오/API/MegaMan_X4_API버전.pptx
+++ b/03.포트폴리오/API/MegaMan_X4_API버전.pptx
@@ -226,7 +226,7 @@
           <a:p>
             <a:fld id="{6C0DDA14-AA9C-4E6E-BE70-718F41C9043A}" type="datetimeFigureOut">
               <a:rPr lang="ko-KR" altLang="en-US" smtClean="0"/>
-              <a:t>2019-08-03</a:t>
+              <a:t>2019-08-05</a:t>
             </a:fld>
             <a:endParaRPr lang="ko-KR" altLang="en-US"/>
           </a:p>
@@ -2317,7 +2317,7 @@
           <a:p>
             <a:fld id="{1D8BD707-D9CF-40AE-B4C6-C98DA3205C09}" type="datetimeFigureOut">
               <a:rPr lang="en-US"/>
-              <a:t>8/3/2019</a:t>
+              <a:t>8/5/2019</a:t>
             </a:fld>
             <a:endParaRPr lang="en-US"/>
           </a:p>
@@ -2953,7 +2953,7 @@
           <a:p>
             <a:fld id="{1D8BD707-D9CF-40AE-B4C6-C98DA3205C09}" type="datetimeFigureOut">
               <a:rPr lang="en-US"/>
-              <a:t>8/3/2019</a:t>
+              <a:t>8/5/2019</a:t>
             </a:fld>
             <a:endParaRPr lang="en-US"/>
           </a:p>
@@ -3202,7 +3202,7 @@
           <a:p>
             <a:fld id="{1D8BD707-D9CF-40AE-B4C6-C98DA3205C09}" type="datetimeFigureOut">
               <a:rPr lang="en-US"/>
-              <a:t>8/3/2019</a:t>
+              <a:t>8/5/2019</a:t>
             </a:fld>
             <a:endParaRPr lang="en-US"/>
           </a:p>
@@ -3610,7 +3610,7 @@
           <a:p>
             <a:fld id="{1D8BD707-D9CF-40AE-B4C6-C98DA3205C09}" type="datetimeFigureOut">
               <a:rPr lang="en-US"/>
-              <a:t>8/3/2019</a:t>
+              <a:t>8/5/2019</a:t>
             </a:fld>
             <a:endParaRPr lang="en-US"/>
           </a:p>
@@ -3927,7 +3927,7 @@
           <a:p>
             <a:fld id="{1D8BD707-D9CF-40AE-B4C6-C98DA3205C09}" type="datetimeFigureOut">
               <a:rPr lang="en-US"/>
-              <a:t>8/3/2019</a:t>
+              <a:t>8/5/2019</a:t>
             </a:fld>
             <a:endParaRPr lang="en-US"/>
           </a:p>
@@ -10565,14 +10565,7 @@
                 <a:latin typeface="a가을소풍M" panose="02020600000000000000" pitchFamily="18" charset="-127"/>
                 <a:ea typeface="a가을소풍M" panose="02020600000000000000" pitchFamily="18" charset="-127"/>
               </a:rPr>
-              <a:t>_ </a:t>
-            </a:r>
-            <a:r>
-              <a:rPr lang="en-US" altLang="ko-KR" sz="2200" dirty="0" smtClean="0">
-                <a:latin typeface="a가을소풍M" panose="02020600000000000000" pitchFamily="18" charset="-127"/>
-                <a:ea typeface="a가을소풍M" panose="02020600000000000000" pitchFamily="18" charset="-127"/>
-              </a:rPr>
-              <a:t>Stage 01 _</a:t>
+              <a:t>_ Stage 01 _</a:t>
             </a:r>
             <a:r>
               <a:rPr lang="ko-KR" altLang="en-US" sz="2200" dirty="0" smtClean="0">
@@ -11262,14 +11255,7 @@
                 <a:latin typeface="a가을소풍M" panose="02020600000000000000" pitchFamily="18" charset="-127"/>
                 <a:ea typeface="a가을소풍M" panose="02020600000000000000" pitchFamily="18" charset="-127"/>
               </a:rPr>
-              <a:t>_ </a:t>
-            </a:r>
-            <a:r>
-              <a:rPr lang="en-US" altLang="ko-KR" sz="2200" dirty="0" smtClean="0">
-                <a:latin typeface="a가을소풍M" panose="02020600000000000000" pitchFamily="18" charset="-127"/>
-                <a:ea typeface="a가을소풍M" panose="02020600000000000000" pitchFamily="18" charset="-127"/>
-              </a:rPr>
-              <a:t>Stage 01 _</a:t>
+              <a:t>_ Stage 01 _</a:t>
             </a:r>
             <a:r>
               <a:rPr lang="ko-KR" altLang="en-US" sz="2200" dirty="0" smtClean="0">
@@ -12653,14 +12639,7 @@
                 <a:latin typeface="a가을소풍M" panose="02020600000000000000" pitchFamily="18" charset="-127"/>
                 <a:ea typeface="a가을소풍M" panose="02020600000000000000" pitchFamily="18" charset="-127"/>
               </a:rPr>
-              <a:t>_ </a:t>
-            </a:r>
-            <a:r>
-              <a:rPr lang="en-US" altLang="ko-KR" sz="2200" dirty="0" smtClean="0">
-                <a:latin typeface="a가을소풍M" panose="02020600000000000000" pitchFamily="18" charset="-127"/>
-                <a:ea typeface="a가을소풍M" panose="02020600000000000000" pitchFamily="18" charset="-127"/>
-              </a:rPr>
-              <a:t>Stage 02 _</a:t>
+              <a:t>_ Stage 02 _</a:t>
             </a:r>
             <a:r>
               <a:rPr lang="ko-KR" altLang="en-US" sz="2200" dirty="0" smtClean="0">
@@ -13686,14 +13665,7 @@
                 <a:latin typeface="a가을소풍M" panose="02020600000000000000" pitchFamily="18" charset="-127"/>
                 <a:ea typeface="a가을소풍M" panose="02020600000000000000" pitchFamily="18" charset="-127"/>
               </a:rPr>
-              <a:t>_ </a:t>
-            </a:r>
-            <a:r>
-              <a:rPr lang="en-US" altLang="ko-KR" sz="2200" dirty="0" smtClean="0">
-                <a:latin typeface="a가을소풍M" panose="02020600000000000000" pitchFamily="18" charset="-127"/>
-                <a:ea typeface="a가을소풍M" panose="02020600000000000000" pitchFamily="18" charset="-127"/>
-              </a:rPr>
-              <a:t>Stage 02 _</a:t>
+              <a:t>_ Stage 02 _</a:t>
             </a:r>
             <a:r>
               <a:rPr lang="ko-KR" altLang="en-US" sz="2200" dirty="0" smtClean="0">
@@ -16449,6 +16421,49 @@
               <a:t>.</a:t>
             </a:r>
             <a:endParaRPr lang="ko-KR" altLang="en-US" sz="2200" dirty="0">
+              <a:latin typeface="a가을소풍M" panose="02020600000000000000" pitchFamily="18" charset="-127"/>
+              <a:ea typeface="a가을소풍M" panose="02020600000000000000" pitchFamily="18" charset="-127"/>
+            </a:endParaRPr>
+          </a:p>
+        </p:txBody>
+      </p:sp>
+      <p:sp>
+        <p:nvSpPr>
+          <p:cNvPr id="9" name="TextBox 8"/>
+          <p:cNvSpPr txBox="1"/>
+          <p:nvPr/>
+        </p:nvSpPr>
+        <p:spPr>
+          <a:xfrm>
+            <a:off x="9864679" y="7354070"/>
+            <a:ext cx="2362200" cy="369332"/>
+          </a:xfrm>
+          <a:prstGeom prst="rect">
+            <a:avLst/>
+          </a:prstGeom>
+          <a:noFill/>
+        </p:spPr>
+        <p:txBody>
+          <a:bodyPr wrap="square" rtlCol="0">
+            <a:spAutoFit/>
+          </a:bodyPr>
+          <a:lstStyle/>
+          <a:p>
+            <a:r>
+              <a:rPr lang="en-US" altLang="ko-KR" dirty="0">
+                <a:latin typeface="a가을소풍M" panose="02020600000000000000" pitchFamily="18" charset="-127"/>
+                <a:ea typeface="a가을소풍M" panose="02020600000000000000" pitchFamily="18" charset="-127"/>
+              </a:rPr>
+              <a:t>VGA (640x480) </a:t>
+            </a:r>
+            <a:r>
+              <a:rPr lang="en-US" altLang="ko-KR" dirty="0" smtClean="0">
+                <a:latin typeface="a가을소풍M" panose="02020600000000000000" pitchFamily="18" charset="-127"/>
+                <a:ea typeface="a가을소풍M" panose="02020600000000000000" pitchFamily="18" charset="-127"/>
+              </a:rPr>
+              <a:t>4:3</a:t>
+            </a:r>
+            <a:endParaRPr lang="en-US" altLang="ko-KR" dirty="0">
               <a:latin typeface="a가을소풍M" panose="02020600000000000000" pitchFamily="18" charset="-127"/>
               <a:ea typeface="a가을소풍M" panose="02020600000000000000" pitchFamily="18" charset="-127"/>
             </a:endParaRPr>
